--- a/resources/Base Logo.pptx
+++ b/resources/Base Logo.pptx
@@ -5,18 +5,17 @@
     <p:sldMasterId id="2147483648" r:id="rId1"/>
   </p:sldMasterIdLst>
   <p:sldIdLst>
-    <p:sldId id="256" r:id="rId2"/>
-    <p:sldId id="257" r:id="rId3"/>
-    <p:sldId id="258" r:id="rId4"/>
-    <p:sldId id="259" r:id="rId5"/>
-    <p:sldId id="260" r:id="rId6"/>
-    <p:sldId id="261" r:id="rId7"/>
-    <p:sldId id="262" r:id="rId8"/>
-    <p:sldId id="263" r:id="rId9"/>
-    <p:sldId id="266" r:id="rId10"/>
-    <p:sldId id="264" r:id="rId11"/>
-    <p:sldId id="265" r:id="rId12"/>
-    <p:sldId id="267" r:id="rId13"/>
+    <p:sldId id="263" r:id="rId2"/>
+    <p:sldId id="266" r:id="rId3"/>
+    <p:sldId id="256" r:id="rId4"/>
+    <p:sldId id="264" r:id="rId5"/>
+    <p:sldId id="265" r:id="rId6"/>
+    <p:sldId id="257" r:id="rId7"/>
+    <p:sldId id="258" r:id="rId8"/>
+    <p:sldId id="259" r:id="rId9"/>
+    <p:sldId id="260" r:id="rId10"/>
+    <p:sldId id="261" r:id="rId11"/>
+    <p:sldId id="262" r:id="rId12"/>
   </p:sldIdLst>
   <p:sldSz cx="12192000" cy="6858000"/>
   <p:notesSz cx="6858000" cy="9144000"/>
@@ -283,7 +282,7 @@
           <a:p>
             <a:fld id="{7D8129B9-D7FD-470F-9A7C-50C3A64D0DCB}" type="datetimeFigureOut">
               <a:rPr lang="en-150" smtClean="0"/>
-              <a:t>07/08/2024</a:t>
+              <a:t>22/08/2024</a:t>
             </a:fld>
             <a:endParaRPr lang="en-150"/>
           </a:p>
@@ -483,7 +482,7 @@
           <a:p>
             <a:fld id="{7D8129B9-D7FD-470F-9A7C-50C3A64D0DCB}" type="datetimeFigureOut">
               <a:rPr lang="en-150" smtClean="0"/>
-              <a:t>07/08/2024</a:t>
+              <a:t>22/08/2024</a:t>
             </a:fld>
             <a:endParaRPr lang="en-150"/>
           </a:p>
@@ -693,7 +692,7 @@
           <a:p>
             <a:fld id="{7D8129B9-D7FD-470F-9A7C-50C3A64D0DCB}" type="datetimeFigureOut">
               <a:rPr lang="en-150" smtClean="0"/>
-              <a:t>07/08/2024</a:t>
+              <a:t>22/08/2024</a:t>
             </a:fld>
             <a:endParaRPr lang="en-150"/>
           </a:p>
@@ -893,7 +892,7 @@
           <a:p>
             <a:fld id="{7D8129B9-D7FD-470F-9A7C-50C3A64D0DCB}" type="datetimeFigureOut">
               <a:rPr lang="en-150" smtClean="0"/>
-              <a:t>07/08/2024</a:t>
+              <a:t>22/08/2024</a:t>
             </a:fld>
             <a:endParaRPr lang="en-150"/>
           </a:p>
@@ -1169,7 +1168,7 @@
           <a:p>
             <a:fld id="{7D8129B9-D7FD-470F-9A7C-50C3A64D0DCB}" type="datetimeFigureOut">
               <a:rPr lang="en-150" smtClean="0"/>
-              <a:t>07/08/2024</a:t>
+              <a:t>22/08/2024</a:t>
             </a:fld>
             <a:endParaRPr lang="en-150"/>
           </a:p>
@@ -1437,7 +1436,7 @@
           <a:p>
             <a:fld id="{7D8129B9-D7FD-470F-9A7C-50C3A64D0DCB}" type="datetimeFigureOut">
               <a:rPr lang="en-150" smtClean="0"/>
-              <a:t>07/08/2024</a:t>
+              <a:t>22/08/2024</a:t>
             </a:fld>
             <a:endParaRPr lang="en-150"/>
           </a:p>
@@ -1852,7 +1851,7 @@
           <a:p>
             <a:fld id="{7D8129B9-D7FD-470F-9A7C-50C3A64D0DCB}" type="datetimeFigureOut">
               <a:rPr lang="en-150" smtClean="0"/>
-              <a:t>07/08/2024</a:t>
+              <a:t>22/08/2024</a:t>
             </a:fld>
             <a:endParaRPr lang="en-150"/>
           </a:p>
@@ -1994,7 +1993,7 @@
           <a:p>
             <a:fld id="{7D8129B9-D7FD-470F-9A7C-50C3A64D0DCB}" type="datetimeFigureOut">
               <a:rPr lang="en-150" smtClean="0"/>
-              <a:t>07/08/2024</a:t>
+              <a:t>22/08/2024</a:t>
             </a:fld>
             <a:endParaRPr lang="en-150"/>
           </a:p>
@@ -2107,7 +2106,7 @@
           <a:p>
             <a:fld id="{7D8129B9-D7FD-470F-9A7C-50C3A64D0DCB}" type="datetimeFigureOut">
               <a:rPr lang="en-150" smtClean="0"/>
-              <a:t>07/08/2024</a:t>
+              <a:t>22/08/2024</a:t>
             </a:fld>
             <a:endParaRPr lang="en-150"/>
           </a:p>
@@ -2420,7 +2419,7 @@
           <a:p>
             <a:fld id="{7D8129B9-D7FD-470F-9A7C-50C3A64D0DCB}" type="datetimeFigureOut">
               <a:rPr lang="en-150" smtClean="0"/>
-              <a:t>07/08/2024</a:t>
+              <a:t>22/08/2024</a:t>
             </a:fld>
             <a:endParaRPr lang="en-150"/>
           </a:p>
@@ -2709,7 +2708,7 @@
           <a:p>
             <a:fld id="{7D8129B9-D7FD-470F-9A7C-50C3A64D0DCB}" type="datetimeFigureOut">
               <a:rPr lang="en-150" smtClean="0"/>
-              <a:t>07/08/2024</a:t>
+              <a:t>22/08/2024</a:t>
             </a:fld>
             <a:endParaRPr lang="en-150"/>
           </a:p>
@@ -2952,7 +2951,7 @@
           <a:p>
             <a:fld id="{7D8129B9-D7FD-470F-9A7C-50C3A64D0DCB}" type="datetimeFigureOut">
               <a:rPr lang="en-150" smtClean="0"/>
-              <a:t>07/08/2024</a:t>
+              <a:t>22/08/2024</a:t>
             </a:fld>
             <a:endParaRPr lang="en-150"/>
           </a:p>
@@ -3371,10 +3370,10 @@
       </p:grpSpPr>
       <p:pic>
         <p:nvPicPr>
-          <p:cNvPr id="5" name="Picture 4" descr="A white tree with dots and circles on a black background&#10;&#10;Description automatically generated">
-            <a:extLst>
-              <a:ext uri="{FF2B5EF4-FFF2-40B4-BE49-F238E27FC236}">
-                <a16:creationId xmlns:a16="http://schemas.microsoft.com/office/drawing/2014/main" id="{EFB62C95-0430-9E48-BF87-0EE83C2FDFAF}"/>
+          <p:cNvPr id="5" name="Picture 4">
+            <a:extLst>
+              <a:ext uri="{FF2B5EF4-FFF2-40B4-BE49-F238E27FC236}">
+                <a16:creationId xmlns:a16="http://schemas.microsoft.com/office/drawing/2014/main" id="{6BDAE8A6-62DA-5B7D-846A-AD744B6FB2D6}"/>
               </a:ext>
             </a:extLst>
           </p:cNvPr>
@@ -3385,9 +3384,19 @@
         </p:nvPicPr>
         <p:blipFill>
           <a:blip r:embed="rId2">
-            <a:extLst>
-              <a:ext uri="{28A0092B-C50C-407E-A947-70E740481C1C}">
-                <a14:useLocalDpi xmlns:a14="http://schemas.microsoft.com/office/drawing/2010/main" val="0"/>
+            <a:grayscl/>
+            <a:extLst>
+              <a:ext uri="{BEBA8EAE-BF5A-486C-A8C5-ECC9F3942E4B}">
+                <a14:imgProps xmlns:a14="http://schemas.microsoft.com/office/drawing/2010/main">
+                  <a14:imgLayer r:embed="rId3">
+                    <a14:imgEffect>
+                      <a14:saturation sat="400000"/>
+                    </a14:imgEffect>
+                    <a14:imgEffect>
+                      <a14:brightnessContrast bright="40000" contrast="-40000"/>
+                    </a14:imgEffect>
+                  </a14:imgLayer>
+                </a14:imgProps>
               </a:ext>
             </a:extLst>
           </a:blip>
@@ -3397,7 +3406,7 @@
         </p:blipFill>
         <p:spPr>
           <a:xfrm>
-            <a:off x="2667000" y="-466344"/>
+            <a:off x="2667000" y="-502920"/>
             <a:ext cx="6858000" cy="6858000"/>
           </a:xfrm>
           <a:prstGeom prst="rect">
@@ -3410,7 +3419,7 @@
           <p:cNvPr id="2" name="TextBox 1">
             <a:extLst>
               <a:ext uri="{FF2B5EF4-FFF2-40B4-BE49-F238E27FC236}">
-                <a16:creationId xmlns:a16="http://schemas.microsoft.com/office/drawing/2014/main" id="{CD6D6D77-B114-34C3-9FBD-73D1416E5A7F}"/>
+                <a16:creationId xmlns:a16="http://schemas.microsoft.com/office/drawing/2014/main" id="{2E12EA35-033B-F3B5-F940-D56FB9795B87}"/>
               </a:ext>
             </a:extLst>
           </p:cNvPr>
@@ -3435,17 +3444,11 @@
           <a:p>
             <a:r>
               <a:rPr lang="en-US" sz="5400" b="1" dirty="0" err="1">
-                <a:solidFill>
-                  <a:schemeClr val="bg1"/>
-                </a:solidFill>
                 <a:latin typeface="Love Nature" panose="02000000000000000000" pitchFamily="2" charset="0"/>
               </a:rPr>
               <a:t>ResiliOnt</a:t>
             </a:r>
             <a:endParaRPr lang="en-150" sz="5400" b="1" dirty="0">
-              <a:solidFill>
-                <a:schemeClr val="bg1"/>
-              </a:solidFill>
               <a:latin typeface="Love Nature" panose="02000000000000000000" pitchFamily="2" charset="0"/>
             </a:endParaRPr>
           </a:p>
@@ -3454,7 +3457,7 @@
     </p:spTree>
     <p:extLst>
       <p:ext uri="{BB962C8B-B14F-4D97-AF65-F5344CB8AC3E}">
-        <p14:creationId xmlns:p14="http://schemas.microsoft.com/office/powerpoint/2010/main" val="3522739697"/>
+        <p14:creationId xmlns:p14="http://schemas.microsoft.com/office/powerpoint/2010/main" val="1517164820"/>
       </p:ext>
     </p:extLst>
   </p:cSld>
@@ -3497,22 +3500,13 @@
         </p:nvPicPr>
         <p:blipFill>
           <a:blip r:embed="rId2">
-            <a:duotone>
-              <a:schemeClr val="accent3">
-                <a:shade val="45000"/>
-                <a:satMod val="135000"/>
-              </a:schemeClr>
-              <a:prstClr val="white"/>
-            </a:duotone>
+            <a:grayscl/>
             <a:extLst>
               <a:ext uri="{BEBA8EAE-BF5A-486C-A8C5-ECC9F3942E4B}">
                 <a14:imgProps xmlns:a14="http://schemas.microsoft.com/office/drawing/2010/main">
                   <a14:imgLayer r:embed="rId3">
                     <a14:imgEffect>
                       <a14:saturation sat="400000"/>
-                    </a14:imgEffect>
-                    <a14:imgEffect>
-                      <a14:brightnessContrast bright="40000" contrast="-40000"/>
                     </a14:imgEffect>
                   </a14:imgLayer>
                 </a14:imgProps>
@@ -3525,7 +3519,7 @@
         </p:blipFill>
         <p:spPr>
           <a:xfrm>
-            <a:off x="2667000" y="-502920"/>
+            <a:off x="2667000" y="0"/>
             <a:ext cx="6858000" cy="6858000"/>
           </a:xfrm>
           <a:prstGeom prst="rect">
@@ -3533,56 +3527,10 @@
           </a:prstGeom>
         </p:spPr>
       </p:pic>
-      <p:sp>
-        <p:nvSpPr>
-          <p:cNvPr id="2" name="TextBox 1">
-            <a:extLst>
-              <a:ext uri="{FF2B5EF4-FFF2-40B4-BE49-F238E27FC236}">
-                <a16:creationId xmlns:a16="http://schemas.microsoft.com/office/drawing/2014/main" id="{54D02976-9EB2-0ED0-5238-CCBBD2329E3F}"/>
-              </a:ext>
-            </a:extLst>
-          </p:cNvPr>
-          <p:cNvSpPr txBox="1"/>
-          <p:nvPr/>
-        </p:nvSpPr>
-        <p:spPr>
-          <a:xfrm>
-            <a:off x="3815984" y="5202936"/>
-            <a:ext cx="4560031" cy="923330"/>
-          </a:xfrm>
-          <a:prstGeom prst="rect">
-            <a:avLst/>
-          </a:prstGeom>
-          <a:noFill/>
-        </p:spPr>
-        <p:txBody>
-          <a:bodyPr wrap="none" rtlCol="0">
-            <a:spAutoFit/>
-          </a:bodyPr>
-          <a:lstStyle/>
-          <a:p>
-            <a:r>
-              <a:rPr lang="en-US" sz="5400" b="1" dirty="0" err="1">
-                <a:solidFill>
-                  <a:srgbClr val="145E1E"/>
-                </a:solidFill>
-                <a:latin typeface="Love Nature" panose="02000000000000000000" pitchFamily="2" charset="0"/>
-              </a:rPr>
-              <a:t>ResiliOnt</a:t>
-            </a:r>
-            <a:endParaRPr lang="en-150" sz="5400" b="1" dirty="0">
-              <a:solidFill>
-                <a:srgbClr val="145E1E"/>
-              </a:solidFill>
-              <a:latin typeface="Love Nature" panose="02000000000000000000" pitchFamily="2" charset="0"/>
-            </a:endParaRPr>
-          </a:p>
-        </p:txBody>
-      </p:sp>
     </p:spTree>
     <p:extLst>
       <p:ext uri="{BB962C8B-B14F-4D97-AF65-F5344CB8AC3E}">
-        <p14:creationId xmlns:p14="http://schemas.microsoft.com/office/powerpoint/2010/main" val="3266630127"/>
+        <p14:creationId xmlns:p14="http://schemas.microsoft.com/office/powerpoint/2010/main" val="1608722172"/>
       </p:ext>
     </p:extLst>
   </p:cSld>
@@ -3609,55 +3557,12 @@
           <a:chExt cx="0" cy="0"/>
         </a:xfrm>
       </p:grpSpPr>
-      <p:sp>
-        <p:nvSpPr>
-          <p:cNvPr id="4" name="TextBox 3">
-            <a:extLst>
-              <a:ext uri="{FF2B5EF4-FFF2-40B4-BE49-F238E27FC236}">
-                <a16:creationId xmlns:a16="http://schemas.microsoft.com/office/drawing/2014/main" id="{C0654308-76E8-466B-EE73-CCFA85302170}"/>
-              </a:ext>
-            </a:extLst>
-          </p:cNvPr>
-          <p:cNvSpPr txBox="1"/>
-          <p:nvPr/>
-        </p:nvSpPr>
-        <p:spPr>
-          <a:xfrm>
-            <a:off x="3815984" y="4212428"/>
-            <a:ext cx="4560031" cy="923330"/>
-          </a:xfrm>
-          <a:prstGeom prst="rect">
-            <a:avLst/>
-          </a:prstGeom>
-          <a:noFill/>
-          <a:ln>
-            <a:noFill/>
-          </a:ln>
-        </p:spPr>
-        <p:txBody>
-          <a:bodyPr wrap="none" rtlCol="0">
-            <a:spAutoFit/>
-          </a:bodyPr>
-          <a:lstStyle/>
-          <a:p>
-            <a:r>
-              <a:rPr lang="en-US" sz="5400" b="1" dirty="0" err="1">
-                <a:latin typeface="Love Nature" panose="02000000000000000000" pitchFamily="2" charset="0"/>
-              </a:rPr>
-              <a:t>ResiliOnt</a:t>
-            </a:r>
-            <a:endParaRPr lang="en-150" sz="5400" b="1" dirty="0">
-              <a:latin typeface="Love Nature" panose="02000000000000000000" pitchFamily="2" charset="0"/>
-            </a:endParaRPr>
-          </a:p>
-        </p:txBody>
-      </p:sp>
       <p:pic>
         <p:nvPicPr>
-          <p:cNvPr id="3" name="Picture 2" descr="A black and white shield with a tree of life&#10;&#10;Description automatically generated">
-            <a:extLst>
-              <a:ext uri="{FF2B5EF4-FFF2-40B4-BE49-F238E27FC236}">
-                <a16:creationId xmlns:a16="http://schemas.microsoft.com/office/drawing/2014/main" id="{531A074B-E55B-DBED-0552-9B61773E2262}"/>
+          <p:cNvPr id="5" name="Picture 4">
+            <a:extLst>
+              <a:ext uri="{FF2B5EF4-FFF2-40B4-BE49-F238E27FC236}">
+                <a16:creationId xmlns:a16="http://schemas.microsoft.com/office/drawing/2014/main" id="{6BDAE8A6-62DA-5B7D-846A-AD744B6FB2D6}"/>
               </a:ext>
             </a:extLst>
           </p:cNvPr>
@@ -3668,9 +3573,22 @@
         </p:nvPicPr>
         <p:blipFill>
           <a:blip r:embed="rId2">
-            <a:extLst>
-              <a:ext uri="{28A0092B-C50C-407E-A947-70E740481C1C}">
-                <a14:useLocalDpi xmlns:a14="http://schemas.microsoft.com/office/drawing/2010/main" val="0"/>
+            <a:duotone>
+              <a:schemeClr val="accent3">
+                <a:shade val="45000"/>
+                <a:satMod val="135000"/>
+              </a:schemeClr>
+              <a:prstClr val="white"/>
+            </a:duotone>
+            <a:extLst>
+              <a:ext uri="{BEBA8EAE-BF5A-486C-A8C5-ECC9F3942E4B}">
+                <a14:imgProps xmlns:a14="http://schemas.microsoft.com/office/drawing/2010/main">
+                  <a14:imgLayer r:embed="rId3">
+                    <a14:imgEffect>
+                      <a14:saturation sat="400000"/>
+                    </a14:imgEffect>
+                  </a14:imgLayer>
+                </a14:imgProps>
               </a:ext>
             </a:extLst>
           </a:blip>
@@ -3680,8 +3598,8 @@
         </p:blipFill>
         <p:spPr>
           <a:xfrm>
-            <a:off x="1138427" y="-83127"/>
-            <a:ext cx="9952090" cy="5598051"/>
+            <a:off x="2667000" y="0"/>
+            <a:ext cx="6858000" cy="6858000"/>
           </a:xfrm>
           <a:prstGeom prst="rect">
             <a:avLst/>
@@ -3691,37 +3609,7 @@
     </p:spTree>
     <p:extLst>
       <p:ext uri="{BB962C8B-B14F-4D97-AF65-F5344CB8AC3E}">
-        <p14:creationId xmlns:p14="http://schemas.microsoft.com/office/powerpoint/2010/main" val="1484737551"/>
-      </p:ext>
-    </p:extLst>
-  </p:cSld>
-  <p:clrMapOvr>
-    <a:masterClrMapping/>
-  </p:clrMapOvr>
-</p:sld>
-</file>
-
-<file path=ppt/slides/slide12.xml><?xml version="1.0" encoding="utf-8"?>
-<p:sld xmlns:a="http://schemas.openxmlformats.org/drawingml/2006/main" xmlns:r="http://schemas.openxmlformats.org/officeDocument/2006/relationships" xmlns:p="http://schemas.openxmlformats.org/presentationml/2006/main">
-  <p:cSld>
-    <p:spTree>
-      <p:nvGrpSpPr>
-        <p:cNvPr id="1" name=""/>
-        <p:cNvGrpSpPr/>
-        <p:nvPr/>
-      </p:nvGrpSpPr>
-      <p:grpSpPr>
-        <a:xfrm>
-          <a:off x="0" y="0"/>
-          <a:ext cx="0" cy="0"/>
-          <a:chOff x="0" y="0"/>
-          <a:chExt cx="0" cy="0"/>
-        </a:xfrm>
-      </p:grpSpPr>
-    </p:spTree>
-    <p:extLst>
-      <p:ext uri="{BB962C8B-B14F-4D97-AF65-F5344CB8AC3E}">
-        <p14:creationId xmlns:p14="http://schemas.microsoft.com/office/powerpoint/2010/main" val="3454277270"/>
+        <p14:creationId xmlns:p14="http://schemas.microsoft.com/office/powerpoint/2010/main" val="3681308163"/>
       </p:ext>
     </p:extLst>
   </p:cSld>
@@ -3750,10 +3638,10 @@
       </p:grpSpPr>
       <p:pic>
         <p:nvPicPr>
-          <p:cNvPr id="5" name="Picture 4" descr="A white tree with dots and circles on a black background&#10;&#10;Description automatically generated">
-            <a:extLst>
-              <a:ext uri="{FF2B5EF4-FFF2-40B4-BE49-F238E27FC236}">
-                <a16:creationId xmlns:a16="http://schemas.microsoft.com/office/drawing/2014/main" id="{EFB62C95-0430-9E48-BF87-0EE83C2FDFAF}"/>
+          <p:cNvPr id="5" name="Picture 4">
+            <a:extLst>
+              <a:ext uri="{FF2B5EF4-FFF2-40B4-BE49-F238E27FC236}">
+                <a16:creationId xmlns:a16="http://schemas.microsoft.com/office/drawing/2014/main" id="{6BDAE8A6-62DA-5B7D-846A-AD744B6FB2D6}"/>
               </a:ext>
             </a:extLst>
           </p:cNvPr>
@@ -3764,16 +3652,19 @@
         </p:nvPicPr>
         <p:blipFill>
           <a:blip r:embed="rId2">
-            <a:duotone>
-              <a:schemeClr val="accent1">
-                <a:shade val="45000"/>
-                <a:satMod val="135000"/>
-              </a:schemeClr>
-              <a:prstClr val="white"/>
-            </a:duotone>
-            <a:extLst>
-              <a:ext uri="{28A0092B-C50C-407E-A947-70E740481C1C}">
-                <a14:useLocalDpi xmlns:a14="http://schemas.microsoft.com/office/drawing/2010/main" val="0"/>
+            <a:grayscl/>
+            <a:extLst>
+              <a:ext uri="{BEBA8EAE-BF5A-486C-A8C5-ECC9F3942E4B}">
+                <a14:imgProps xmlns:a14="http://schemas.microsoft.com/office/drawing/2010/main">
+                  <a14:imgLayer r:embed="rId3">
+                    <a14:imgEffect>
+                      <a14:saturation sat="400000"/>
+                    </a14:imgEffect>
+                    <a14:imgEffect>
+                      <a14:brightnessContrast bright="40000" contrast="-40000"/>
+                    </a14:imgEffect>
+                  </a14:imgLayer>
+                </a14:imgProps>
               </a:ext>
             </a:extLst>
           </a:blip>
@@ -3783,7 +3674,7 @@
         </p:blipFill>
         <p:spPr>
           <a:xfrm>
-            <a:off x="2667000" y="0"/>
+            <a:off x="2667000" y="-502920"/>
             <a:ext cx="6858000" cy="6858000"/>
           </a:xfrm>
           <a:prstGeom prst="rect">
@@ -3791,10 +3682,50 @@
           </a:prstGeom>
         </p:spPr>
       </p:pic>
+      <p:sp>
+        <p:nvSpPr>
+          <p:cNvPr id="2" name="TextBox 1">
+            <a:extLst>
+              <a:ext uri="{FF2B5EF4-FFF2-40B4-BE49-F238E27FC236}">
+                <a16:creationId xmlns:a16="http://schemas.microsoft.com/office/drawing/2014/main" id="{CBB6B9EA-9D2E-4A10-84D6-5CB7E37F85A5}"/>
+              </a:ext>
+            </a:extLst>
+          </p:cNvPr>
+          <p:cNvSpPr txBox="1"/>
+          <p:nvPr/>
+        </p:nvSpPr>
+        <p:spPr>
+          <a:xfrm>
+            <a:off x="3815984" y="5202936"/>
+            <a:ext cx="4560031" cy="923330"/>
+          </a:xfrm>
+          <a:prstGeom prst="rect">
+            <a:avLst/>
+          </a:prstGeom>
+          <a:noFill/>
+        </p:spPr>
+        <p:txBody>
+          <a:bodyPr wrap="none" rtlCol="0">
+            <a:spAutoFit/>
+          </a:bodyPr>
+          <a:lstStyle/>
+          <a:p>
+            <a:r>
+              <a:rPr lang="en-US" sz="5400" b="1" dirty="0" err="1">
+                <a:latin typeface="Love Nature" panose="02000000000000000000" pitchFamily="2" charset="0"/>
+              </a:rPr>
+              <a:t>ResiliOnt</a:t>
+            </a:r>
+            <a:endParaRPr lang="en-150" sz="5400" b="1" dirty="0">
+              <a:latin typeface="Love Nature" panose="02000000000000000000" pitchFamily="2" charset="0"/>
+            </a:endParaRPr>
+          </a:p>
+        </p:txBody>
+      </p:sp>
     </p:spTree>
     <p:extLst>
       <p:ext uri="{BB962C8B-B14F-4D97-AF65-F5344CB8AC3E}">
-        <p14:creationId xmlns:p14="http://schemas.microsoft.com/office/powerpoint/2010/main" val="4220589971"/>
+        <p14:creationId xmlns:p14="http://schemas.microsoft.com/office/powerpoint/2010/main" val="2098741981"/>
       </p:ext>
     </p:extLst>
   </p:cSld>
@@ -3837,6 +3768,428 @@
         </p:nvPicPr>
         <p:blipFill>
           <a:blip r:embed="rId2">
+            <a:extLst>
+              <a:ext uri="{28A0092B-C50C-407E-A947-70E740481C1C}">
+                <a14:useLocalDpi xmlns:a14="http://schemas.microsoft.com/office/drawing/2010/main" val="0"/>
+              </a:ext>
+            </a:extLst>
+          </a:blip>
+          <a:stretch>
+            <a:fillRect/>
+          </a:stretch>
+        </p:blipFill>
+        <p:spPr>
+          <a:xfrm>
+            <a:off x="2667000" y="-466344"/>
+            <a:ext cx="6858000" cy="6858000"/>
+          </a:xfrm>
+          <a:prstGeom prst="rect">
+            <a:avLst/>
+          </a:prstGeom>
+        </p:spPr>
+      </p:pic>
+      <p:sp>
+        <p:nvSpPr>
+          <p:cNvPr id="2" name="TextBox 1">
+            <a:extLst>
+              <a:ext uri="{FF2B5EF4-FFF2-40B4-BE49-F238E27FC236}">
+                <a16:creationId xmlns:a16="http://schemas.microsoft.com/office/drawing/2014/main" id="{CD6D6D77-B114-34C3-9FBD-73D1416E5A7F}"/>
+              </a:ext>
+            </a:extLst>
+          </p:cNvPr>
+          <p:cNvSpPr txBox="1"/>
+          <p:nvPr/>
+        </p:nvSpPr>
+        <p:spPr>
+          <a:xfrm>
+            <a:off x="3815984" y="5202936"/>
+            <a:ext cx="4560031" cy="923330"/>
+          </a:xfrm>
+          <a:prstGeom prst="rect">
+            <a:avLst/>
+          </a:prstGeom>
+          <a:noFill/>
+        </p:spPr>
+        <p:txBody>
+          <a:bodyPr wrap="none" rtlCol="0">
+            <a:spAutoFit/>
+          </a:bodyPr>
+          <a:lstStyle/>
+          <a:p>
+            <a:r>
+              <a:rPr lang="en-US" sz="5400" b="1" dirty="0" err="1">
+                <a:solidFill>
+                  <a:schemeClr val="bg1"/>
+                </a:solidFill>
+                <a:latin typeface="Love Nature" panose="02000000000000000000" pitchFamily="2" charset="0"/>
+              </a:rPr>
+              <a:t>ResiliOnt</a:t>
+            </a:r>
+            <a:endParaRPr lang="en-150" sz="5400" b="1" dirty="0">
+              <a:solidFill>
+                <a:schemeClr val="bg1"/>
+              </a:solidFill>
+              <a:latin typeface="Love Nature" panose="02000000000000000000" pitchFamily="2" charset="0"/>
+            </a:endParaRPr>
+          </a:p>
+        </p:txBody>
+      </p:sp>
+    </p:spTree>
+    <p:extLst>
+      <p:ext uri="{BB962C8B-B14F-4D97-AF65-F5344CB8AC3E}">
+        <p14:creationId xmlns:p14="http://schemas.microsoft.com/office/powerpoint/2010/main" val="3522739697"/>
+      </p:ext>
+    </p:extLst>
+  </p:cSld>
+  <p:clrMapOvr>
+    <a:masterClrMapping/>
+  </p:clrMapOvr>
+</p:sld>
+</file>
+
+<file path=ppt/slides/slide4.xml><?xml version="1.0" encoding="utf-8"?>
+<p:sld xmlns:a="http://schemas.openxmlformats.org/drawingml/2006/main" xmlns:r="http://schemas.openxmlformats.org/officeDocument/2006/relationships" xmlns:p="http://schemas.openxmlformats.org/presentationml/2006/main">
+  <p:cSld>
+    <p:spTree>
+      <p:nvGrpSpPr>
+        <p:cNvPr id="1" name=""/>
+        <p:cNvGrpSpPr/>
+        <p:nvPr/>
+      </p:nvGrpSpPr>
+      <p:grpSpPr>
+        <a:xfrm>
+          <a:off x="0" y="0"/>
+          <a:ext cx="0" cy="0"/>
+          <a:chOff x="0" y="0"/>
+          <a:chExt cx="0" cy="0"/>
+        </a:xfrm>
+      </p:grpSpPr>
+      <p:pic>
+        <p:nvPicPr>
+          <p:cNvPr id="5" name="Picture 4">
+            <a:extLst>
+              <a:ext uri="{FF2B5EF4-FFF2-40B4-BE49-F238E27FC236}">
+                <a16:creationId xmlns:a16="http://schemas.microsoft.com/office/drawing/2014/main" id="{6BDAE8A6-62DA-5B7D-846A-AD744B6FB2D6}"/>
+              </a:ext>
+            </a:extLst>
+          </p:cNvPr>
+          <p:cNvPicPr>
+            <a:picLocks noChangeAspect="1"/>
+          </p:cNvPicPr>
+          <p:nvPr/>
+        </p:nvPicPr>
+        <p:blipFill>
+          <a:blip r:embed="rId2">
+            <a:duotone>
+              <a:schemeClr val="accent3">
+                <a:shade val="45000"/>
+                <a:satMod val="135000"/>
+              </a:schemeClr>
+              <a:prstClr val="white"/>
+            </a:duotone>
+            <a:extLst>
+              <a:ext uri="{BEBA8EAE-BF5A-486C-A8C5-ECC9F3942E4B}">
+                <a14:imgProps xmlns:a14="http://schemas.microsoft.com/office/drawing/2010/main">
+                  <a14:imgLayer r:embed="rId3">
+                    <a14:imgEffect>
+                      <a14:saturation sat="400000"/>
+                    </a14:imgEffect>
+                    <a14:imgEffect>
+                      <a14:brightnessContrast bright="40000" contrast="-40000"/>
+                    </a14:imgEffect>
+                  </a14:imgLayer>
+                </a14:imgProps>
+              </a:ext>
+            </a:extLst>
+          </a:blip>
+          <a:stretch>
+            <a:fillRect/>
+          </a:stretch>
+        </p:blipFill>
+        <p:spPr>
+          <a:xfrm>
+            <a:off x="2667000" y="-502920"/>
+            <a:ext cx="6858000" cy="6858000"/>
+          </a:xfrm>
+          <a:prstGeom prst="rect">
+            <a:avLst/>
+          </a:prstGeom>
+        </p:spPr>
+      </p:pic>
+      <p:sp>
+        <p:nvSpPr>
+          <p:cNvPr id="2" name="TextBox 1">
+            <a:extLst>
+              <a:ext uri="{FF2B5EF4-FFF2-40B4-BE49-F238E27FC236}">
+                <a16:creationId xmlns:a16="http://schemas.microsoft.com/office/drawing/2014/main" id="{54D02976-9EB2-0ED0-5238-CCBBD2329E3F}"/>
+              </a:ext>
+            </a:extLst>
+          </p:cNvPr>
+          <p:cNvSpPr txBox="1"/>
+          <p:nvPr/>
+        </p:nvSpPr>
+        <p:spPr>
+          <a:xfrm>
+            <a:off x="3815984" y="5202936"/>
+            <a:ext cx="4560031" cy="923330"/>
+          </a:xfrm>
+          <a:prstGeom prst="rect">
+            <a:avLst/>
+          </a:prstGeom>
+          <a:noFill/>
+        </p:spPr>
+        <p:txBody>
+          <a:bodyPr wrap="none" rtlCol="0">
+            <a:spAutoFit/>
+          </a:bodyPr>
+          <a:lstStyle/>
+          <a:p>
+            <a:r>
+              <a:rPr lang="en-US" sz="5400" b="1" dirty="0" err="1">
+                <a:solidFill>
+                  <a:srgbClr val="145E1E"/>
+                </a:solidFill>
+                <a:latin typeface="Love Nature" panose="02000000000000000000" pitchFamily="2" charset="0"/>
+              </a:rPr>
+              <a:t>ResiliOnt</a:t>
+            </a:r>
+            <a:endParaRPr lang="en-150" sz="5400" b="1" dirty="0">
+              <a:solidFill>
+                <a:srgbClr val="145E1E"/>
+              </a:solidFill>
+              <a:latin typeface="Love Nature" panose="02000000000000000000" pitchFamily="2" charset="0"/>
+            </a:endParaRPr>
+          </a:p>
+        </p:txBody>
+      </p:sp>
+    </p:spTree>
+    <p:extLst>
+      <p:ext uri="{BB962C8B-B14F-4D97-AF65-F5344CB8AC3E}">
+        <p14:creationId xmlns:p14="http://schemas.microsoft.com/office/powerpoint/2010/main" val="3266630127"/>
+      </p:ext>
+    </p:extLst>
+  </p:cSld>
+  <p:clrMapOvr>
+    <a:masterClrMapping/>
+  </p:clrMapOvr>
+</p:sld>
+</file>
+
+<file path=ppt/slides/slide5.xml><?xml version="1.0" encoding="utf-8"?>
+<p:sld xmlns:a="http://schemas.openxmlformats.org/drawingml/2006/main" xmlns:r="http://schemas.openxmlformats.org/officeDocument/2006/relationships" xmlns:p="http://schemas.openxmlformats.org/presentationml/2006/main">
+  <p:cSld>
+    <p:spTree>
+      <p:nvGrpSpPr>
+        <p:cNvPr id="1" name=""/>
+        <p:cNvGrpSpPr/>
+        <p:nvPr/>
+      </p:nvGrpSpPr>
+      <p:grpSpPr>
+        <a:xfrm>
+          <a:off x="0" y="0"/>
+          <a:ext cx="0" cy="0"/>
+          <a:chOff x="0" y="0"/>
+          <a:chExt cx="0" cy="0"/>
+        </a:xfrm>
+      </p:grpSpPr>
+      <p:sp>
+        <p:nvSpPr>
+          <p:cNvPr id="4" name="TextBox 3">
+            <a:extLst>
+              <a:ext uri="{FF2B5EF4-FFF2-40B4-BE49-F238E27FC236}">
+                <a16:creationId xmlns:a16="http://schemas.microsoft.com/office/drawing/2014/main" id="{C0654308-76E8-466B-EE73-CCFA85302170}"/>
+              </a:ext>
+            </a:extLst>
+          </p:cNvPr>
+          <p:cNvSpPr txBox="1"/>
+          <p:nvPr/>
+        </p:nvSpPr>
+        <p:spPr>
+          <a:xfrm>
+            <a:off x="3815984" y="4212428"/>
+            <a:ext cx="4560031" cy="923330"/>
+          </a:xfrm>
+          <a:prstGeom prst="rect">
+            <a:avLst/>
+          </a:prstGeom>
+          <a:noFill/>
+          <a:ln>
+            <a:noFill/>
+          </a:ln>
+        </p:spPr>
+        <p:txBody>
+          <a:bodyPr wrap="none" rtlCol="0">
+            <a:spAutoFit/>
+          </a:bodyPr>
+          <a:lstStyle/>
+          <a:p>
+            <a:r>
+              <a:rPr lang="en-US" sz="5400" b="1" dirty="0" err="1">
+                <a:latin typeface="Love Nature" panose="02000000000000000000" pitchFamily="2" charset="0"/>
+              </a:rPr>
+              <a:t>ResiliOnt</a:t>
+            </a:r>
+            <a:endParaRPr lang="en-150" sz="5400" b="1" dirty="0">
+              <a:latin typeface="Love Nature" panose="02000000000000000000" pitchFamily="2" charset="0"/>
+            </a:endParaRPr>
+          </a:p>
+        </p:txBody>
+      </p:sp>
+      <p:pic>
+        <p:nvPicPr>
+          <p:cNvPr id="3" name="Picture 2" descr="A black and white shield with a tree of life&#10;&#10;Description automatically generated">
+            <a:extLst>
+              <a:ext uri="{FF2B5EF4-FFF2-40B4-BE49-F238E27FC236}">
+                <a16:creationId xmlns:a16="http://schemas.microsoft.com/office/drawing/2014/main" id="{531A074B-E55B-DBED-0552-9B61773E2262}"/>
+              </a:ext>
+            </a:extLst>
+          </p:cNvPr>
+          <p:cNvPicPr>
+            <a:picLocks noChangeAspect="1"/>
+          </p:cNvPicPr>
+          <p:nvPr/>
+        </p:nvPicPr>
+        <p:blipFill>
+          <a:blip r:embed="rId2">
+            <a:extLst>
+              <a:ext uri="{28A0092B-C50C-407E-A947-70E740481C1C}">
+                <a14:useLocalDpi xmlns:a14="http://schemas.microsoft.com/office/drawing/2010/main" val="0"/>
+              </a:ext>
+            </a:extLst>
+          </a:blip>
+          <a:stretch>
+            <a:fillRect/>
+          </a:stretch>
+        </p:blipFill>
+        <p:spPr>
+          <a:xfrm>
+            <a:off x="1138427" y="-83127"/>
+            <a:ext cx="9952090" cy="5598051"/>
+          </a:xfrm>
+          <a:prstGeom prst="rect">
+            <a:avLst/>
+          </a:prstGeom>
+        </p:spPr>
+      </p:pic>
+    </p:spTree>
+    <p:extLst>
+      <p:ext uri="{BB962C8B-B14F-4D97-AF65-F5344CB8AC3E}">
+        <p14:creationId xmlns:p14="http://schemas.microsoft.com/office/powerpoint/2010/main" val="1484737551"/>
+      </p:ext>
+    </p:extLst>
+  </p:cSld>
+  <p:clrMapOvr>
+    <a:masterClrMapping/>
+  </p:clrMapOvr>
+</p:sld>
+</file>
+
+<file path=ppt/slides/slide6.xml><?xml version="1.0" encoding="utf-8"?>
+<p:sld xmlns:a="http://schemas.openxmlformats.org/drawingml/2006/main" xmlns:r="http://schemas.openxmlformats.org/officeDocument/2006/relationships" xmlns:p="http://schemas.openxmlformats.org/presentationml/2006/main">
+  <p:cSld>
+    <p:spTree>
+      <p:nvGrpSpPr>
+        <p:cNvPr id="1" name=""/>
+        <p:cNvGrpSpPr/>
+        <p:nvPr/>
+      </p:nvGrpSpPr>
+      <p:grpSpPr>
+        <a:xfrm>
+          <a:off x="0" y="0"/>
+          <a:ext cx="0" cy="0"/>
+          <a:chOff x="0" y="0"/>
+          <a:chExt cx="0" cy="0"/>
+        </a:xfrm>
+      </p:grpSpPr>
+      <p:pic>
+        <p:nvPicPr>
+          <p:cNvPr id="5" name="Picture 4" descr="A white tree with dots and circles on a black background&#10;&#10;Description automatically generated">
+            <a:extLst>
+              <a:ext uri="{FF2B5EF4-FFF2-40B4-BE49-F238E27FC236}">
+                <a16:creationId xmlns:a16="http://schemas.microsoft.com/office/drawing/2014/main" id="{EFB62C95-0430-9E48-BF87-0EE83C2FDFAF}"/>
+              </a:ext>
+            </a:extLst>
+          </p:cNvPr>
+          <p:cNvPicPr>
+            <a:picLocks noChangeAspect="1"/>
+          </p:cNvPicPr>
+          <p:nvPr/>
+        </p:nvPicPr>
+        <p:blipFill>
+          <a:blip r:embed="rId2">
+            <a:duotone>
+              <a:schemeClr val="accent1">
+                <a:shade val="45000"/>
+                <a:satMod val="135000"/>
+              </a:schemeClr>
+              <a:prstClr val="white"/>
+            </a:duotone>
+            <a:extLst>
+              <a:ext uri="{28A0092B-C50C-407E-A947-70E740481C1C}">
+                <a14:useLocalDpi xmlns:a14="http://schemas.microsoft.com/office/drawing/2010/main" val="0"/>
+              </a:ext>
+            </a:extLst>
+          </a:blip>
+          <a:stretch>
+            <a:fillRect/>
+          </a:stretch>
+        </p:blipFill>
+        <p:spPr>
+          <a:xfrm>
+            <a:off x="2667000" y="0"/>
+            <a:ext cx="6858000" cy="6858000"/>
+          </a:xfrm>
+          <a:prstGeom prst="rect">
+            <a:avLst/>
+          </a:prstGeom>
+        </p:spPr>
+      </p:pic>
+    </p:spTree>
+    <p:extLst>
+      <p:ext uri="{BB962C8B-B14F-4D97-AF65-F5344CB8AC3E}">
+        <p14:creationId xmlns:p14="http://schemas.microsoft.com/office/powerpoint/2010/main" val="4220589971"/>
+      </p:ext>
+    </p:extLst>
+  </p:cSld>
+  <p:clrMapOvr>
+    <a:masterClrMapping/>
+  </p:clrMapOvr>
+</p:sld>
+</file>
+
+<file path=ppt/slides/slide7.xml><?xml version="1.0" encoding="utf-8"?>
+<p:sld xmlns:a="http://schemas.openxmlformats.org/drawingml/2006/main" xmlns:r="http://schemas.openxmlformats.org/officeDocument/2006/relationships" xmlns:p="http://schemas.openxmlformats.org/presentationml/2006/main">
+  <p:cSld>
+    <p:spTree>
+      <p:nvGrpSpPr>
+        <p:cNvPr id="1" name=""/>
+        <p:cNvGrpSpPr/>
+        <p:nvPr/>
+      </p:nvGrpSpPr>
+      <p:grpSpPr>
+        <a:xfrm>
+          <a:off x="0" y="0"/>
+          <a:ext cx="0" cy="0"/>
+          <a:chOff x="0" y="0"/>
+          <a:chExt cx="0" cy="0"/>
+        </a:xfrm>
+      </p:grpSpPr>
+      <p:pic>
+        <p:nvPicPr>
+          <p:cNvPr id="5" name="Picture 4" descr="A white tree with dots and circles on a black background&#10;&#10;Description automatically generated">
+            <a:extLst>
+              <a:ext uri="{FF2B5EF4-FFF2-40B4-BE49-F238E27FC236}">
+                <a16:creationId xmlns:a16="http://schemas.microsoft.com/office/drawing/2014/main" id="{EFB62C95-0430-9E48-BF87-0EE83C2FDFAF}"/>
+              </a:ext>
+            </a:extLst>
+          </p:cNvPr>
+          <p:cNvPicPr>
+            <a:picLocks noChangeAspect="1"/>
+          </p:cNvPicPr>
+          <p:nvPr/>
+        </p:nvPicPr>
+        <p:blipFill>
+          <a:blip r:embed="rId2">
             <a:duotone>
               <a:schemeClr val="accent6">
                 <a:shade val="45000"/>
@@ -3877,7 +4230,7 @@
 </p:sld>
 </file>
 
-<file path=ppt/slides/slide4.xml><?xml version="1.0" encoding="utf-8"?>
+<file path=ppt/slides/slide8.xml><?xml version="1.0" encoding="utf-8"?>
 <p:sld xmlns:a="http://schemas.openxmlformats.org/drawingml/2006/main" xmlns:r="http://schemas.openxmlformats.org/officeDocument/2006/relationships" xmlns:p="http://schemas.openxmlformats.org/presentationml/2006/main">
   <p:cSld>
     <p:spTree>
@@ -3953,334 +4306,6 @@
     <p:extLst>
       <p:ext uri="{BB962C8B-B14F-4D97-AF65-F5344CB8AC3E}">
         <p14:creationId xmlns:p14="http://schemas.microsoft.com/office/powerpoint/2010/main" val="2349969134"/>
-      </p:ext>
-    </p:extLst>
-  </p:cSld>
-  <p:clrMapOvr>
-    <a:masterClrMapping/>
-  </p:clrMapOvr>
-</p:sld>
-</file>
-
-<file path=ppt/slides/slide5.xml><?xml version="1.0" encoding="utf-8"?>
-<p:sld xmlns:a="http://schemas.openxmlformats.org/drawingml/2006/main" xmlns:r="http://schemas.openxmlformats.org/officeDocument/2006/relationships" xmlns:p="http://schemas.openxmlformats.org/presentationml/2006/main">
-  <p:cSld>
-    <p:spTree>
-      <p:nvGrpSpPr>
-        <p:cNvPr id="1" name=""/>
-        <p:cNvGrpSpPr/>
-        <p:nvPr/>
-      </p:nvGrpSpPr>
-      <p:grpSpPr>
-        <a:xfrm>
-          <a:off x="0" y="0"/>
-          <a:ext cx="0" cy="0"/>
-          <a:chOff x="0" y="0"/>
-          <a:chExt cx="0" cy="0"/>
-        </a:xfrm>
-      </p:grpSpPr>
-      <p:pic>
-        <p:nvPicPr>
-          <p:cNvPr id="5" name="Picture 4">
-            <a:extLst>
-              <a:ext uri="{FF2B5EF4-FFF2-40B4-BE49-F238E27FC236}">
-                <a16:creationId xmlns:a16="http://schemas.microsoft.com/office/drawing/2014/main" id="{6BDAE8A6-62DA-5B7D-846A-AD744B6FB2D6}"/>
-              </a:ext>
-            </a:extLst>
-          </p:cNvPr>
-          <p:cNvPicPr>
-            <a:picLocks noChangeAspect="1"/>
-          </p:cNvPicPr>
-          <p:nvPr/>
-        </p:nvPicPr>
-        <p:blipFill>
-          <a:blip r:embed="rId2"/>
-          <a:stretch>
-            <a:fillRect/>
-          </a:stretch>
-        </p:blipFill>
-        <p:spPr>
-          <a:xfrm>
-            <a:off x="2667000" y="0"/>
-            <a:ext cx="6858000" cy="6858000"/>
-          </a:xfrm>
-          <a:prstGeom prst="rect">
-            <a:avLst/>
-          </a:prstGeom>
-        </p:spPr>
-      </p:pic>
-    </p:spTree>
-    <p:extLst>
-      <p:ext uri="{BB962C8B-B14F-4D97-AF65-F5344CB8AC3E}">
-        <p14:creationId xmlns:p14="http://schemas.microsoft.com/office/powerpoint/2010/main" val="1030427041"/>
-      </p:ext>
-    </p:extLst>
-  </p:cSld>
-  <p:clrMapOvr>
-    <a:masterClrMapping/>
-  </p:clrMapOvr>
-</p:sld>
-</file>
-
-<file path=ppt/slides/slide6.xml><?xml version="1.0" encoding="utf-8"?>
-<p:sld xmlns:a="http://schemas.openxmlformats.org/drawingml/2006/main" xmlns:r="http://schemas.openxmlformats.org/officeDocument/2006/relationships" xmlns:p="http://schemas.openxmlformats.org/presentationml/2006/main">
-  <p:cSld>
-    <p:spTree>
-      <p:nvGrpSpPr>
-        <p:cNvPr id="1" name=""/>
-        <p:cNvGrpSpPr/>
-        <p:nvPr/>
-      </p:nvGrpSpPr>
-      <p:grpSpPr>
-        <a:xfrm>
-          <a:off x="0" y="0"/>
-          <a:ext cx="0" cy="0"/>
-          <a:chOff x="0" y="0"/>
-          <a:chExt cx="0" cy="0"/>
-        </a:xfrm>
-      </p:grpSpPr>
-      <p:pic>
-        <p:nvPicPr>
-          <p:cNvPr id="5" name="Picture 4">
-            <a:extLst>
-              <a:ext uri="{FF2B5EF4-FFF2-40B4-BE49-F238E27FC236}">
-                <a16:creationId xmlns:a16="http://schemas.microsoft.com/office/drawing/2014/main" id="{6BDAE8A6-62DA-5B7D-846A-AD744B6FB2D6}"/>
-              </a:ext>
-            </a:extLst>
-          </p:cNvPr>
-          <p:cNvPicPr>
-            <a:picLocks noChangeAspect="1"/>
-          </p:cNvPicPr>
-          <p:nvPr/>
-        </p:nvPicPr>
-        <p:blipFill>
-          <a:blip r:embed="rId2">
-            <a:grayscl/>
-            <a:extLst>
-              <a:ext uri="{BEBA8EAE-BF5A-486C-A8C5-ECC9F3942E4B}">
-                <a14:imgProps xmlns:a14="http://schemas.microsoft.com/office/drawing/2010/main">
-                  <a14:imgLayer r:embed="rId3">
-                    <a14:imgEffect>
-                      <a14:saturation sat="400000"/>
-                    </a14:imgEffect>
-                  </a14:imgLayer>
-                </a14:imgProps>
-              </a:ext>
-            </a:extLst>
-          </a:blip>
-          <a:stretch>
-            <a:fillRect/>
-          </a:stretch>
-        </p:blipFill>
-        <p:spPr>
-          <a:xfrm>
-            <a:off x="2667000" y="0"/>
-            <a:ext cx="6858000" cy="6858000"/>
-          </a:xfrm>
-          <a:prstGeom prst="rect">
-            <a:avLst/>
-          </a:prstGeom>
-        </p:spPr>
-      </p:pic>
-    </p:spTree>
-    <p:extLst>
-      <p:ext uri="{BB962C8B-B14F-4D97-AF65-F5344CB8AC3E}">
-        <p14:creationId xmlns:p14="http://schemas.microsoft.com/office/powerpoint/2010/main" val="1608722172"/>
-      </p:ext>
-    </p:extLst>
-  </p:cSld>
-  <p:clrMapOvr>
-    <a:masterClrMapping/>
-  </p:clrMapOvr>
-</p:sld>
-</file>
-
-<file path=ppt/slides/slide7.xml><?xml version="1.0" encoding="utf-8"?>
-<p:sld xmlns:a="http://schemas.openxmlformats.org/drawingml/2006/main" xmlns:r="http://schemas.openxmlformats.org/officeDocument/2006/relationships" xmlns:p="http://schemas.openxmlformats.org/presentationml/2006/main">
-  <p:cSld>
-    <p:spTree>
-      <p:nvGrpSpPr>
-        <p:cNvPr id="1" name=""/>
-        <p:cNvGrpSpPr/>
-        <p:nvPr/>
-      </p:nvGrpSpPr>
-      <p:grpSpPr>
-        <a:xfrm>
-          <a:off x="0" y="0"/>
-          <a:ext cx="0" cy="0"/>
-          <a:chOff x="0" y="0"/>
-          <a:chExt cx="0" cy="0"/>
-        </a:xfrm>
-      </p:grpSpPr>
-      <p:pic>
-        <p:nvPicPr>
-          <p:cNvPr id="5" name="Picture 4">
-            <a:extLst>
-              <a:ext uri="{FF2B5EF4-FFF2-40B4-BE49-F238E27FC236}">
-                <a16:creationId xmlns:a16="http://schemas.microsoft.com/office/drawing/2014/main" id="{6BDAE8A6-62DA-5B7D-846A-AD744B6FB2D6}"/>
-              </a:ext>
-            </a:extLst>
-          </p:cNvPr>
-          <p:cNvPicPr>
-            <a:picLocks noChangeAspect="1"/>
-          </p:cNvPicPr>
-          <p:nvPr/>
-        </p:nvPicPr>
-        <p:blipFill>
-          <a:blip r:embed="rId2">
-            <a:duotone>
-              <a:schemeClr val="accent3">
-                <a:shade val="45000"/>
-                <a:satMod val="135000"/>
-              </a:schemeClr>
-              <a:prstClr val="white"/>
-            </a:duotone>
-            <a:extLst>
-              <a:ext uri="{BEBA8EAE-BF5A-486C-A8C5-ECC9F3942E4B}">
-                <a14:imgProps xmlns:a14="http://schemas.microsoft.com/office/drawing/2010/main">
-                  <a14:imgLayer r:embed="rId3">
-                    <a14:imgEffect>
-                      <a14:saturation sat="400000"/>
-                    </a14:imgEffect>
-                  </a14:imgLayer>
-                </a14:imgProps>
-              </a:ext>
-            </a:extLst>
-          </a:blip>
-          <a:stretch>
-            <a:fillRect/>
-          </a:stretch>
-        </p:blipFill>
-        <p:spPr>
-          <a:xfrm>
-            <a:off x="2667000" y="0"/>
-            <a:ext cx="6858000" cy="6858000"/>
-          </a:xfrm>
-          <a:prstGeom prst="rect">
-            <a:avLst/>
-          </a:prstGeom>
-        </p:spPr>
-      </p:pic>
-    </p:spTree>
-    <p:extLst>
-      <p:ext uri="{BB962C8B-B14F-4D97-AF65-F5344CB8AC3E}">
-        <p14:creationId xmlns:p14="http://schemas.microsoft.com/office/powerpoint/2010/main" val="3681308163"/>
-      </p:ext>
-    </p:extLst>
-  </p:cSld>
-  <p:clrMapOvr>
-    <a:masterClrMapping/>
-  </p:clrMapOvr>
-</p:sld>
-</file>
-
-<file path=ppt/slides/slide8.xml><?xml version="1.0" encoding="utf-8"?>
-<p:sld xmlns:a="http://schemas.openxmlformats.org/drawingml/2006/main" xmlns:r="http://schemas.openxmlformats.org/officeDocument/2006/relationships" xmlns:p="http://schemas.openxmlformats.org/presentationml/2006/main">
-  <p:cSld>
-    <p:spTree>
-      <p:nvGrpSpPr>
-        <p:cNvPr id="1" name=""/>
-        <p:cNvGrpSpPr/>
-        <p:nvPr/>
-      </p:nvGrpSpPr>
-      <p:grpSpPr>
-        <a:xfrm>
-          <a:off x="0" y="0"/>
-          <a:ext cx="0" cy="0"/>
-          <a:chOff x="0" y="0"/>
-          <a:chExt cx="0" cy="0"/>
-        </a:xfrm>
-      </p:grpSpPr>
-      <p:pic>
-        <p:nvPicPr>
-          <p:cNvPr id="5" name="Picture 4">
-            <a:extLst>
-              <a:ext uri="{FF2B5EF4-FFF2-40B4-BE49-F238E27FC236}">
-                <a16:creationId xmlns:a16="http://schemas.microsoft.com/office/drawing/2014/main" id="{6BDAE8A6-62DA-5B7D-846A-AD744B6FB2D6}"/>
-              </a:ext>
-            </a:extLst>
-          </p:cNvPr>
-          <p:cNvPicPr>
-            <a:picLocks noChangeAspect="1"/>
-          </p:cNvPicPr>
-          <p:nvPr/>
-        </p:nvPicPr>
-        <p:blipFill>
-          <a:blip r:embed="rId2">
-            <a:grayscl/>
-            <a:extLst>
-              <a:ext uri="{BEBA8EAE-BF5A-486C-A8C5-ECC9F3942E4B}">
-                <a14:imgProps xmlns:a14="http://schemas.microsoft.com/office/drawing/2010/main">
-                  <a14:imgLayer r:embed="rId3">
-                    <a14:imgEffect>
-                      <a14:saturation sat="400000"/>
-                    </a14:imgEffect>
-                    <a14:imgEffect>
-                      <a14:brightnessContrast bright="40000" contrast="-40000"/>
-                    </a14:imgEffect>
-                  </a14:imgLayer>
-                </a14:imgProps>
-              </a:ext>
-            </a:extLst>
-          </a:blip>
-          <a:stretch>
-            <a:fillRect/>
-          </a:stretch>
-        </p:blipFill>
-        <p:spPr>
-          <a:xfrm>
-            <a:off x="2667000" y="-502920"/>
-            <a:ext cx="6858000" cy="6858000"/>
-          </a:xfrm>
-          <a:prstGeom prst="rect">
-            <a:avLst/>
-          </a:prstGeom>
-        </p:spPr>
-      </p:pic>
-      <p:sp>
-        <p:nvSpPr>
-          <p:cNvPr id="2" name="TextBox 1">
-            <a:extLst>
-              <a:ext uri="{FF2B5EF4-FFF2-40B4-BE49-F238E27FC236}">
-                <a16:creationId xmlns:a16="http://schemas.microsoft.com/office/drawing/2014/main" id="{2E12EA35-033B-F3B5-F940-D56FB9795B87}"/>
-              </a:ext>
-            </a:extLst>
-          </p:cNvPr>
-          <p:cNvSpPr txBox="1"/>
-          <p:nvPr/>
-        </p:nvSpPr>
-        <p:spPr>
-          <a:xfrm>
-            <a:off x="3815984" y="5202936"/>
-            <a:ext cx="4560031" cy="923330"/>
-          </a:xfrm>
-          <a:prstGeom prst="rect">
-            <a:avLst/>
-          </a:prstGeom>
-          <a:noFill/>
-        </p:spPr>
-        <p:txBody>
-          <a:bodyPr wrap="none" rtlCol="0">
-            <a:spAutoFit/>
-          </a:bodyPr>
-          <a:lstStyle/>
-          <a:p>
-            <a:r>
-              <a:rPr lang="en-US" sz="5400" b="1" dirty="0" err="1">
-                <a:latin typeface="Love Nature" panose="02000000000000000000" pitchFamily="2" charset="0"/>
-              </a:rPr>
-              <a:t>ResiliOnt</a:t>
-            </a:r>
-            <a:endParaRPr lang="en-150" sz="5400" b="1" dirty="0">
-              <a:latin typeface="Love Nature" panose="02000000000000000000" pitchFamily="2" charset="0"/>
-            </a:endParaRPr>
-          </a:p>
-        </p:txBody>
-      </p:sp>
-    </p:spTree>
-    <p:extLst>
-      <p:ext uri="{BB962C8B-B14F-4D97-AF65-F5344CB8AC3E}">
-        <p14:creationId xmlns:p14="http://schemas.microsoft.com/office/powerpoint/2010/main" val="1517164820"/>
       </p:ext>
     </p:extLst>
   </p:cSld>
@@ -4322,30 +4347,14 @@
           <p:nvPr/>
         </p:nvPicPr>
         <p:blipFill>
-          <a:blip r:embed="rId2">
-            <a:grayscl/>
-            <a:extLst>
-              <a:ext uri="{BEBA8EAE-BF5A-486C-A8C5-ECC9F3942E4B}">
-                <a14:imgProps xmlns:a14="http://schemas.microsoft.com/office/drawing/2010/main">
-                  <a14:imgLayer r:embed="rId3">
-                    <a14:imgEffect>
-                      <a14:saturation sat="400000"/>
-                    </a14:imgEffect>
-                    <a14:imgEffect>
-                      <a14:brightnessContrast bright="40000" contrast="-40000"/>
-                    </a14:imgEffect>
-                  </a14:imgLayer>
-                </a14:imgProps>
-              </a:ext>
-            </a:extLst>
-          </a:blip>
+          <a:blip r:embed="rId2"/>
           <a:stretch>
             <a:fillRect/>
           </a:stretch>
         </p:blipFill>
         <p:spPr>
           <a:xfrm>
-            <a:off x="2667000" y="-502920"/>
+            <a:off x="2667000" y="0"/>
             <a:ext cx="6858000" cy="6858000"/>
           </a:xfrm>
           <a:prstGeom prst="rect">
@@ -4356,7 +4365,7 @@
     </p:spTree>
     <p:extLst>
       <p:ext uri="{BB962C8B-B14F-4D97-AF65-F5344CB8AC3E}">
-        <p14:creationId xmlns:p14="http://schemas.microsoft.com/office/powerpoint/2010/main" val="2098741981"/>
+        <p14:creationId xmlns:p14="http://schemas.microsoft.com/office/powerpoint/2010/main" val="1030427041"/>
       </p:ext>
     </p:extLst>
   </p:cSld>
